--- a/FirstCapstoneProject/Capstone1FinalReport/slide_capston1.pptx
+++ b/FirstCapstoneProject/Capstone1FinalReport/slide_capston1.pptx
@@ -5,7 +5,7 @@
     <p:sldMasterId id="2147483648" r:id="rId1"/>
   </p:sldMasterIdLst>
   <p:notesMasterIdLst>
-    <p:notesMasterId r:id="rId28"/>
+    <p:notesMasterId r:id="rId30"/>
   </p:notesMasterIdLst>
   <p:sldIdLst>
     <p:sldId id="256" r:id="rId2"/>
@@ -19,21 +19,23 @@
     <p:sldId id="264" r:id="rId10"/>
     <p:sldId id="265" r:id="rId11"/>
     <p:sldId id="266" r:id="rId12"/>
-    <p:sldId id="267" r:id="rId13"/>
-    <p:sldId id="268" r:id="rId14"/>
-    <p:sldId id="269" r:id="rId15"/>
-    <p:sldId id="270" r:id="rId16"/>
-    <p:sldId id="271" r:id="rId17"/>
-    <p:sldId id="272" r:id="rId18"/>
-    <p:sldId id="273" r:id="rId19"/>
-    <p:sldId id="274" r:id="rId20"/>
-    <p:sldId id="275" r:id="rId21"/>
-    <p:sldId id="276" r:id="rId22"/>
-    <p:sldId id="277" r:id="rId23"/>
-    <p:sldId id="278" r:id="rId24"/>
-    <p:sldId id="279" r:id="rId25"/>
-    <p:sldId id="280" r:id="rId26"/>
-    <p:sldId id="281" r:id="rId27"/>
+    <p:sldId id="283" r:id="rId13"/>
+    <p:sldId id="285" r:id="rId14"/>
+    <p:sldId id="267" r:id="rId15"/>
+    <p:sldId id="268" r:id="rId16"/>
+    <p:sldId id="269" r:id="rId17"/>
+    <p:sldId id="270" r:id="rId18"/>
+    <p:sldId id="271" r:id="rId19"/>
+    <p:sldId id="272" r:id="rId20"/>
+    <p:sldId id="273" r:id="rId21"/>
+    <p:sldId id="274" r:id="rId22"/>
+    <p:sldId id="275" r:id="rId23"/>
+    <p:sldId id="276" r:id="rId24"/>
+    <p:sldId id="277" r:id="rId25"/>
+    <p:sldId id="278" r:id="rId26"/>
+    <p:sldId id="279" r:id="rId27"/>
+    <p:sldId id="280" r:id="rId28"/>
+    <p:sldId id="281" r:id="rId29"/>
   </p:sldIdLst>
   <p:sldSz cx="13004800" cy="9753600"/>
   <p:notesSz cx="6858000" cy="9144000"/>
@@ -710,770 +712,7 @@
 </p:sldLayout>
 </file>
 
-<file path=ppt/slideLayouts/slideLayout10.xml><?xml version="1.0" encoding="utf-8"?>
-<p:sldLayout xmlns:a="http://schemas.openxmlformats.org/drawingml/2006/main" xmlns:r="http://schemas.openxmlformats.org/officeDocument/2006/relationships" xmlns:p="http://schemas.openxmlformats.org/presentationml/2006/main" type="tx">
-  <p:cSld name="Quote">
-    <p:spTree>
-      <p:nvGrpSpPr>
-        <p:cNvPr id="1" name=""/>
-        <p:cNvGrpSpPr/>
-        <p:nvPr/>
-      </p:nvGrpSpPr>
-      <p:grpSpPr>
-        <a:xfrm>
-          <a:off x="0" y="0"/>
-          <a:ext cx="0" cy="0"/>
-          <a:chOff x="0" y="0"/>
-          <a:chExt cx="0" cy="0"/>
-        </a:xfrm>
-      </p:grpSpPr>
-      <p:sp>
-        <p:nvSpPr>
-          <p:cNvPr id="93" name="–Johnny Appleseed"/>
-          <p:cNvSpPr txBox="1">
-            <a:spLocks noGrp="1"/>
-          </p:cNvSpPr>
-          <p:nvPr>
-            <p:ph type="body" sz="quarter" idx="13"/>
-          </p:nvPr>
-        </p:nvSpPr>
-        <p:spPr>
-          <a:xfrm>
-            <a:off x="1270000" y="6362700"/>
-            <a:ext cx="10464800" cy="461366"/>
-          </a:xfrm>
-          <a:prstGeom prst="rect">
-            <a:avLst/>
-          </a:prstGeom>
-        </p:spPr>
-        <p:txBody>
-          <a:bodyPr anchor="t">
-            <a:spAutoFit/>
-          </a:bodyPr>
-          <a:lstStyle>
-            <a:lvl1pPr marL="0" indent="0" algn="ctr">
-              <a:spcBef>
-                <a:spcPts val="0"/>
-              </a:spcBef>
-              <a:buSzTx/>
-              <a:buNone/>
-              <a:defRPr sz="2400" i="1"/>
-            </a:lvl1pPr>
-          </a:lstStyle>
-          <a:p>
-            <a:r>
-              <a:t>–Johnny Appleseed</a:t>
-            </a:r>
-          </a:p>
-        </p:txBody>
-      </p:sp>
-      <p:sp>
-        <p:nvSpPr>
-          <p:cNvPr id="94" name="“Type a quote here.”"/>
-          <p:cNvSpPr txBox="1">
-            <a:spLocks noGrp="1"/>
-          </p:cNvSpPr>
-          <p:nvPr>
-            <p:ph type="body" sz="quarter" idx="14"/>
-          </p:nvPr>
-        </p:nvSpPr>
-        <p:spPr>
-          <a:xfrm>
-            <a:off x="1270000" y="4267112"/>
-            <a:ext cx="10464800" cy="609776"/>
-          </a:xfrm>
-          <a:prstGeom prst="rect">
-            <a:avLst/>
-          </a:prstGeom>
-        </p:spPr>
-        <p:txBody>
-          <a:bodyPr>
-            <a:spAutoFit/>
-          </a:bodyPr>
-          <a:lstStyle>
-            <a:lvl1pPr marL="0" indent="0" algn="ctr">
-              <a:spcBef>
-                <a:spcPts val="0"/>
-              </a:spcBef>
-              <a:buSzTx/>
-              <a:buNone/>
-              <a:defRPr sz="3400">
-                <a:latin typeface="+mn-lt"/>
-                <a:ea typeface="+mn-ea"/>
-                <a:cs typeface="+mn-cs"/>
-                <a:sym typeface="Helvetica Neue Medium"/>
-              </a:defRPr>
-            </a:lvl1pPr>
-          </a:lstStyle>
-          <a:p>
-            <a:r>
-              <a:t>“Type a quote here.” </a:t>
-            </a:r>
-          </a:p>
-        </p:txBody>
-      </p:sp>
-      <p:sp>
-        <p:nvSpPr>
-          <p:cNvPr id="95" name="Slide Number"/>
-          <p:cNvSpPr txBox="1">
-            <a:spLocks noGrp="1"/>
-          </p:cNvSpPr>
-          <p:nvPr>
-            <p:ph type="sldNum" sz="quarter" idx="2"/>
-          </p:nvPr>
-        </p:nvSpPr>
-        <p:spPr>
-          <a:prstGeom prst="rect">
-            <a:avLst/>
-          </a:prstGeom>
-        </p:spPr>
-        <p:txBody>
-          <a:bodyPr/>
-          <a:lstStyle/>
-          <a:p>
-            <a:fld id="{86CB4B4D-7CA3-9044-876B-883B54F8677D}" type="slidenum">
-              <a:t>‹#›</a:t>
-            </a:fld>
-            <a:endParaRPr/>
-          </a:p>
-        </p:txBody>
-      </p:sp>
-    </p:spTree>
-  </p:cSld>
-  <p:clrMapOvr>
-    <a:masterClrMapping/>
-  </p:clrMapOvr>
-  <p:transition xmlns:p14="http://schemas.microsoft.com/office/powerpoint/2010/main" spd="med"/>
-</p:sldLayout>
-</file>
-
-<file path=ppt/slideLayouts/slideLayout11.xml><?xml version="1.0" encoding="utf-8"?>
-<p:sldLayout xmlns:a="http://schemas.openxmlformats.org/drawingml/2006/main" xmlns:r="http://schemas.openxmlformats.org/officeDocument/2006/relationships" xmlns:p="http://schemas.openxmlformats.org/presentationml/2006/main" type="tx">
-  <p:cSld name="Photo">
-    <p:spTree>
-      <p:nvGrpSpPr>
-        <p:cNvPr id="1" name=""/>
-        <p:cNvGrpSpPr/>
-        <p:nvPr/>
-      </p:nvGrpSpPr>
-      <p:grpSpPr>
-        <a:xfrm>
-          <a:off x="0" y="0"/>
-          <a:ext cx="0" cy="0"/>
-          <a:chOff x="0" y="0"/>
-          <a:chExt cx="0" cy="0"/>
-        </a:xfrm>
-      </p:grpSpPr>
-      <p:sp>
-        <p:nvSpPr>
-          <p:cNvPr id="102" name="Image"/>
-          <p:cNvSpPr>
-            <a:spLocks noGrp="1"/>
-          </p:cNvSpPr>
-          <p:nvPr>
-            <p:ph type="pic" idx="13"/>
-          </p:nvPr>
-        </p:nvSpPr>
-        <p:spPr>
-          <a:xfrm>
-            <a:off x="0" y="0"/>
-            <a:ext cx="13004800" cy="9753600"/>
-          </a:xfrm>
-          <a:prstGeom prst="rect">
-            <a:avLst/>
-          </a:prstGeom>
-        </p:spPr>
-        <p:txBody>
-          <a:bodyPr lIns="91439" tIns="45719" rIns="91439" bIns="45719" anchor="t">
-            <a:noAutofit/>
-          </a:bodyPr>
-          <a:lstStyle/>
-          <a:p>
-            <a:endParaRPr/>
-          </a:p>
-        </p:txBody>
-      </p:sp>
-      <p:sp>
-        <p:nvSpPr>
-          <p:cNvPr id="103" name="Slide Number"/>
-          <p:cNvSpPr txBox="1">
-            <a:spLocks noGrp="1"/>
-          </p:cNvSpPr>
-          <p:nvPr>
-            <p:ph type="sldNum" sz="quarter" idx="2"/>
-          </p:nvPr>
-        </p:nvSpPr>
-        <p:spPr>
-          <a:prstGeom prst="rect">
-            <a:avLst/>
-          </a:prstGeom>
-        </p:spPr>
-        <p:txBody>
-          <a:bodyPr/>
-          <a:lstStyle/>
-          <a:p>
-            <a:fld id="{86CB4B4D-7CA3-9044-876B-883B54F8677D}" type="slidenum">
-              <a:t>‹#›</a:t>
-            </a:fld>
-            <a:endParaRPr/>
-          </a:p>
-        </p:txBody>
-      </p:sp>
-    </p:spTree>
-  </p:cSld>
-  <p:clrMapOvr>
-    <a:masterClrMapping/>
-  </p:clrMapOvr>
-  <p:transition xmlns:p14="http://schemas.microsoft.com/office/powerpoint/2010/main" spd="med"/>
-</p:sldLayout>
-</file>
-
-<file path=ppt/slideLayouts/slideLayout12.xml><?xml version="1.0" encoding="utf-8"?>
-<p:sldLayout xmlns:a="http://schemas.openxmlformats.org/drawingml/2006/main" xmlns:r="http://schemas.openxmlformats.org/officeDocument/2006/relationships" xmlns:p="http://schemas.openxmlformats.org/presentationml/2006/main" type="tx">
-  <p:cSld name="Blank">
-    <p:spTree>
-      <p:nvGrpSpPr>
-        <p:cNvPr id="1" name=""/>
-        <p:cNvGrpSpPr/>
-        <p:nvPr/>
-      </p:nvGrpSpPr>
-      <p:grpSpPr>
-        <a:xfrm>
-          <a:off x="0" y="0"/>
-          <a:ext cx="0" cy="0"/>
-          <a:chOff x="0" y="0"/>
-          <a:chExt cx="0" cy="0"/>
-        </a:xfrm>
-      </p:grpSpPr>
-      <p:sp>
-        <p:nvSpPr>
-          <p:cNvPr id="110" name="Slide Number"/>
-          <p:cNvSpPr txBox="1">
-            <a:spLocks noGrp="1"/>
-          </p:cNvSpPr>
-          <p:nvPr>
-            <p:ph type="sldNum" sz="quarter" idx="2"/>
-          </p:nvPr>
-        </p:nvSpPr>
-        <p:spPr>
-          <a:prstGeom prst="rect">
-            <a:avLst/>
-          </a:prstGeom>
-        </p:spPr>
-        <p:txBody>
-          <a:bodyPr/>
-          <a:lstStyle/>
-          <a:p>
-            <a:fld id="{86CB4B4D-7CA3-9044-876B-883B54F8677D}" type="slidenum">
-              <a:t>‹#›</a:t>
-            </a:fld>
-            <a:endParaRPr/>
-          </a:p>
-        </p:txBody>
-      </p:sp>
-    </p:spTree>
-  </p:cSld>
-  <p:clrMapOvr>
-    <a:masterClrMapping/>
-  </p:clrMapOvr>
-  <p:transition xmlns:p14="http://schemas.microsoft.com/office/powerpoint/2010/main" spd="med"/>
-</p:sldLayout>
-</file>
-
 <file path=ppt/slideLayouts/slideLayout2.xml><?xml version="1.0" encoding="utf-8"?>
-<p:sldLayout xmlns:a="http://schemas.openxmlformats.org/drawingml/2006/main" xmlns:r="http://schemas.openxmlformats.org/officeDocument/2006/relationships" xmlns:p="http://schemas.openxmlformats.org/presentationml/2006/main" type="tx">
-  <p:cSld name="Photo - Horizontal">
-    <p:spTree>
-      <p:nvGrpSpPr>
-        <p:cNvPr id="1" name=""/>
-        <p:cNvGrpSpPr/>
-        <p:nvPr/>
-      </p:nvGrpSpPr>
-      <p:grpSpPr>
-        <a:xfrm>
-          <a:off x="0" y="0"/>
-          <a:ext cx="0" cy="0"/>
-          <a:chOff x="0" y="0"/>
-          <a:chExt cx="0" cy="0"/>
-        </a:xfrm>
-      </p:grpSpPr>
-      <p:sp>
-        <p:nvSpPr>
-          <p:cNvPr id="20" name="Image"/>
-          <p:cNvSpPr>
-            <a:spLocks noGrp="1"/>
-          </p:cNvSpPr>
-          <p:nvPr>
-            <p:ph type="pic" idx="13"/>
-          </p:nvPr>
-        </p:nvSpPr>
-        <p:spPr>
-          <a:xfrm>
-            <a:off x="1625600" y="673100"/>
-            <a:ext cx="9753600" cy="5905500"/>
-          </a:xfrm>
-          <a:prstGeom prst="rect">
-            <a:avLst/>
-          </a:prstGeom>
-        </p:spPr>
-        <p:txBody>
-          <a:bodyPr lIns="91439" tIns="45719" rIns="91439" bIns="45719" anchor="t">
-            <a:noAutofit/>
-          </a:bodyPr>
-          <a:lstStyle/>
-          <a:p>
-            <a:endParaRPr/>
-          </a:p>
-        </p:txBody>
-      </p:sp>
-      <p:sp>
-        <p:nvSpPr>
-          <p:cNvPr id="21" name="Title Text"/>
-          <p:cNvSpPr txBox="1">
-            <a:spLocks noGrp="1"/>
-          </p:cNvSpPr>
-          <p:nvPr>
-            <p:ph type="title"/>
-          </p:nvPr>
-        </p:nvSpPr>
-        <p:spPr>
-          <a:xfrm>
-            <a:off x="1270000" y="6718300"/>
-            <a:ext cx="10464800" cy="1422400"/>
-          </a:xfrm>
-          <a:prstGeom prst="rect">
-            <a:avLst/>
-          </a:prstGeom>
-        </p:spPr>
-        <p:txBody>
-          <a:bodyPr anchor="b"/>
-          <a:lstStyle/>
-          <a:p>
-            <a:r>
-              <a:t>Title Text</a:t>
-            </a:r>
-          </a:p>
-        </p:txBody>
-      </p:sp>
-      <p:sp>
-        <p:nvSpPr>
-          <p:cNvPr id="22" name="Body Level One…"/>
-          <p:cNvSpPr txBox="1">
-            <a:spLocks noGrp="1"/>
-          </p:cNvSpPr>
-          <p:nvPr>
-            <p:ph type="body" sz="quarter" idx="1"/>
-          </p:nvPr>
-        </p:nvSpPr>
-        <p:spPr>
-          <a:xfrm>
-            <a:off x="1270000" y="8153400"/>
-            <a:ext cx="10464800" cy="1130300"/>
-          </a:xfrm>
-          <a:prstGeom prst="rect">
-            <a:avLst/>
-          </a:prstGeom>
-        </p:spPr>
-        <p:txBody>
-          <a:bodyPr anchor="t"/>
-          <a:lstStyle>
-            <a:lvl1pPr marL="0" indent="0" algn="ctr">
-              <a:spcBef>
-                <a:spcPts val="0"/>
-              </a:spcBef>
-              <a:buSzTx/>
-              <a:buNone/>
-              <a:defRPr sz="3700"/>
-            </a:lvl1pPr>
-            <a:lvl2pPr marL="0" indent="0" algn="ctr">
-              <a:spcBef>
-                <a:spcPts val="0"/>
-              </a:spcBef>
-              <a:buSzTx/>
-              <a:buNone/>
-              <a:defRPr sz="3700"/>
-            </a:lvl2pPr>
-            <a:lvl3pPr marL="0" indent="0" algn="ctr">
-              <a:spcBef>
-                <a:spcPts val="0"/>
-              </a:spcBef>
-              <a:buSzTx/>
-              <a:buNone/>
-              <a:defRPr sz="3700"/>
-            </a:lvl3pPr>
-            <a:lvl4pPr marL="0" indent="0" algn="ctr">
-              <a:spcBef>
-                <a:spcPts val="0"/>
-              </a:spcBef>
-              <a:buSzTx/>
-              <a:buNone/>
-              <a:defRPr sz="3700"/>
-            </a:lvl4pPr>
-            <a:lvl5pPr marL="0" indent="0" algn="ctr">
-              <a:spcBef>
-                <a:spcPts val="0"/>
-              </a:spcBef>
-              <a:buSzTx/>
-              <a:buNone/>
-              <a:defRPr sz="3700"/>
-            </a:lvl5pPr>
-          </a:lstStyle>
-          <a:p>
-            <a:r>
-              <a:t>Body Level One</a:t>
-            </a:r>
-          </a:p>
-          <a:p>
-            <a:pPr lvl="1"/>
-            <a:r>
-              <a:t>Body Level Two</a:t>
-            </a:r>
-          </a:p>
-          <a:p>
-            <a:pPr lvl="2"/>
-            <a:r>
-              <a:t>Body Level Three</a:t>
-            </a:r>
-          </a:p>
-          <a:p>
-            <a:pPr lvl="3"/>
-            <a:r>
-              <a:t>Body Level Four</a:t>
-            </a:r>
-          </a:p>
-          <a:p>
-            <a:pPr lvl="4"/>
-            <a:r>
-              <a:t>Body Level Five</a:t>
-            </a:r>
-          </a:p>
-        </p:txBody>
-      </p:sp>
-      <p:sp>
-        <p:nvSpPr>
-          <p:cNvPr id="23" name="Slide Number"/>
-          <p:cNvSpPr txBox="1">
-            <a:spLocks noGrp="1"/>
-          </p:cNvSpPr>
-          <p:nvPr>
-            <p:ph type="sldNum" sz="quarter" idx="2"/>
-          </p:nvPr>
-        </p:nvSpPr>
-        <p:spPr>
-          <a:prstGeom prst="rect">
-            <a:avLst/>
-          </a:prstGeom>
-        </p:spPr>
-        <p:txBody>
-          <a:bodyPr/>
-          <a:lstStyle/>
-          <a:p>
-            <a:fld id="{86CB4B4D-7CA3-9044-876B-883B54F8677D}" type="slidenum">
-              <a:t>‹#›</a:t>
-            </a:fld>
-            <a:endParaRPr/>
-          </a:p>
-        </p:txBody>
-      </p:sp>
-    </p:spTree>
-  </p:cSld>
-  <p:clrMapOvr>
-    <a:masterClrMapping/>
-  </p:clrMapOvr>
-  <p:transition xmlns:p14="http://schemas.microsoft.com/office/powerpoint/2010/main" spd="med"/>
-</p:sldLayout>
-</file>
-
-<file path=ppt/slideLayouts/slideLayout3.xml><?xml version="1.0" encoding="utf-8"?>
-<p:sldLayout xmlns:a="http://schemas.openxmlformats.org/drawingml/2006/main" xmlns:r="http://schemas.openxmlformats.org/officeDocument/2006/relationships" xmlns:p="http://schemas.openxmlformats.org/presentationml/2006/main" type="tx">
-  <p:cSld name="Title - Center">
-    <p:spTree>
-      <p:nvGrpSpPr>
-        <p:cNvPr id="1" name=""/>
-        <p:cNvGrpSpPr/>
-        <p:nvPr/>
-      </p:nvGrpSpPr>
-      <p:grpSpPr>
-        <a:xfrm>
-          <a:off x="0" y="0"/>
-          <a:ext cx="0" cy="0"/>
-          <a:chOff x="0" y="0"/>
-          <a:chExt cx="0" cy="0"/>
-        </a:xfrm>
-      </p:grpSpPr>
-      <p:sp>
-        <p:nvSpPr>
-          <p:cNvPr id="30" name="Title Text"/>
-          <p:cNvSpPr txBox="1">
-            <a:spLocks noGrp="1"/>
-          </p:cNvSpPr>
-          <p:nvPr>
-            <p:ph type="title"/>
-          </p:nvPr>
-        </p:nvSpPr>
-        <p:spPr>
-          <a:xfrm>
-            <a:off x="1270000" y="3225800"/>
-            <a:ext cx="10464800" cy="3302000"/>
-          </a:xfrm>
-          <a:prstGeom prst="rect">
-            <a:avLst/>
-          </a:prstGeom>
-        </p:spPr>
-        <p:txBody>
-          <a:bodyPr/>
-          <a:lstStyle/>
-          <a:p>
-            <a:r>
-              <a:t>Title Text</a:t>
-            </a:r>
-          </a:p>
-        </p:txBody>
-      </p:sp>
-      <p:sp>
-        <p:nvSpPr>
-          <p:cNvPr id="31" name="Slide Number"/>
-          <p:cNvSpPr txBox="1">
-            <a:spLocks noGrp="1"/>
-          </p:cNvSpPr>
-          <p:nvPr>
-            <p:ph type="sldNum" sz="quarter" idx="2"/>
-          </p:nvPr>
-        </p:nvSpPr>
-        <p:spPr>
-          <a:prstGeom prst="rect">
-            <a:avLst/>
-          </a:prstGeom>
-        </p:spPr>
-        <p:txBody>
-          <a:bodyPr/>
-          <a:lstStyle/>
-          <a:p>
-            <a:fld id="{86CB4B4D-7CA3-9044-876B-883B54F8677D}" type="slidenum">
-              <a:t>‹#›</a:t>
-            </a:fld>
-            <a:endParaRPr/>
-          </a:p>
-        </p:txBody>
-      </p:sp>
-    </p:spTree>
-  </p:cSld>
-  <p:clrMapOvr>
-    <a:masterClrMapping/>
-  </p:clrMapOvr>
-  <p:transition xmlns:p14="http://schemas.microsoft.com/office/powerpoint/2010/main" spd="med"/>
-</p:sldLayout>
-</file>
-
-<file path=ppt/slideLayouts/slideLayout4.xml><?xml version="1.0" encoding="utf-8"?>
-<p:sldLayout xmlns:a="http://schemas.openxmlformats.org/drawingml/2006/main" xmlns:r="http://schemas.openxmlformats.org/officeDocument/2006/relationships" xmlns:p="http://schemas.openxmlformats.org/presentationml/2006/main" type="tx">
-  <p:cSld name="Photo - Vertical">
-    <p:spTree>
-      <p:nvGrpSpPr>
-        <p:cNvPr id="1" name=""/>
-        <p:cNvGrpSpPr/>
-        <p:nvPr/>
-      </p:nvGrpSpPr>
-      <p:grpSpPr>
-        <a:xfrm>
-          <a:off x="0" y="0"/>
-          <a:ext cx="0" cy="0"/>
-          <a:chOff x="0" y="0"/>
-          <a:chExt cx="0" cy="0"/>
-        </a:xfrm>
-      </p:grpSpPr>
-      <p:sp>
-        <p:nvSpPr>
-          <p:cNvPr id="38" name="Image"/>
-          <p:cNvSpPr>
-            <a:spLocks noGrp="1"/>
-          </p:cNvSpPr>
-          <p:nvPr>
-            <p:ph type="pic" sz="half" idx="13"/>
-          </p:nvPr>
-        </p:nvSpPr>
-        <p:spPr>
-          <a:xfrm>
-            <a:off x="6718300" y="635000"/>
-            <a:ext cx="5334000" cy="8216900"/>
-          </a:xfrm>
-          <a:prstGeom prst="rect">
-            <a:avLst/>
-          </a:prstGeom>
-        </p:spPr>
-        <p:txBody>
-          <a:bodyPr lIns="91439" tIns="45719" rIns="91439" bIns="45719" anchor="t">
-            <a:noAutofit/>
-          </a:bodyPr>
-          <a:lstStyle/>
-          <a:p>
-            <a:endParaRPr/>
-          </a:p>
-        </p:txBody>
-      </p:sp>
-      <p:sp>
-        <p:nvSpPr>
-          <p:cNvPr id="39" name="Title Text"/>
-          <p:cNvSpPr txBox="1">
-            <a:spLocks noGrp="1"/>
-          </p:cNvSpPr>
-          <p:nvPr>
-            <p:ph type="title"/>
-          </p:nvPr>
-        </p:nvSpPr>
-        <p:spPr>
-          <a:xfrm>
-            <a:off x="952500" y="635000"/>
-            <a:ext cx="5334000" cy="3987800"/>
-          </a:xfrm>
-          <a:prstGeom prst="rect">
-            <a:avLst/>
-          </a:prstGeom>
-        </p:spPr>
-        <p:txBody>
-          <a:bodyPr anchor="b"/>
-          <a:lstStyle>
-            <a:lvl1pPr>
-              <a:defRPr sz="6000"/>
-            </a:lvl1pPr>
-          </a:lstStyle>
-          <a:p>
-            <a:r>
-              <a:t>Title Text</a:t>
-            </a:r>
-          </a:p>
-        </p:txBody>
-      </p:sp>
-      <p:sp>
-        <p:nvSpPr>
-          <p:cNvPr id="40" name="Body Level One…"/>
-          <p:cNvSpPr txBox="1">
-            <a:spLocks noGrp="1"/>
-          </p:cNvSpPr>
-          <p:nvPr>
-            <p:ph type="body" sz="quarter" idx="1"/>
-          </p:nvPr>
-        </p:nvSpPr>
-        <p:spPr>
-          <a:xfrm>
-            <a:off x="952500" y="4724400"/>
-            <a:ext cx="5334000" cy="4114800"/>
-          </a:xfrm>
-          <a:prstGeom prst="rect">
-            <a:avLst/>
-          </a:prstGeom>
-        </p:spPr>
-        <p:txBody>
-          <a:bodyPr anchor="t"/>
-          <a:lstStyle>
-            <a:lvl1pPr marL="0" indent="0" algn="ctr">
-              <a:spcBef>
-                <a:spcPts val="0"/>
-              </a:spcBef>
-              <a:buSzTx/>
-              <a:buNone/>
-              <a:defRPr sz="3700"/>
-            </a:lvl1pPr>
-            <a:lvl2pPr marL="0" indent="0" algn="ctr">
-              <a:spcBef>
-                <a:spcPts val="0"/>
-              </a:spcBef>
-              <a:buSzTx/>
-              <a:buNone/>
-              <a:defRPr sz="3700"/>
-            </a:lvl2pPr>
-            <a:lvl3pPr marL="0" indent="0" algn="ctr">
-              <a:spcBef>
-                <a:spcPts val="0"/>
-              </a:spcBef>
-              <a:buSzTx/>
-              <a:buNone/>
-              <a:defRPr sz="3700"/>
-            </a:lvl3pPr>
-            <a:lvl4pPr marL="0" indent="0" algn="ctr">
-              <a:spcBef>
-                <a:spcPts val="0"/>
-              </a:spcBef>
-              <a:buSzTx/>
-              <a:buNone/>
-              <a:defRPr sz="3700"/>
-            </a:lvl4pPr>
-            <a:lvl5pPr marL="0" indent="0" algn="ctr">
-              <a:spcBef>
-                <a:spcPts val="0"/>
-              </a:spcBef>
-              <a:buSzTx/>
-              <a:buNone/>
-              <a:defRPr sz="3700"/>
-            </a:lvl5pPr>
-          </a:lstStyle>
-          <a:p>
-            <a:r>
-              <a:t>Body Level One</a:t>
-            </a:r>
-          </a:p>
-          <a:p>
-            <a:pPr lvl="1"/>
-            <a:r>
-              <a:t>Body Level Two</a:t>
-            </a:r>
-          </a:p>
-          <a:p>
-            <a:pPr lvl="2"/>
-            <a:r>
-              <a:t>Body Level Three</a:t>
-            </a:r>
-          </a:p>
-          <a:p>
-            <a:pPr lvl="3"/>
-            <a:r>
-              <a:t>Body Level Four</a:t>
-            </a:r>
-          </a:p>
-          <a:p>
-            <a:pPr lvl="4"/>
-            <a:r>
-              <a:t>Body Level Five</a:t>
-            </a:r>
-          </a:p>
-        </p:txBody>
-      </p:sp>
-      <p:sp>
-        <p:nvSpPr>
-          <p:cNvPr id="41" name="Slide Number"/>
-          <p:cNvSpPr txBox="1">
-            <a:spLocks noGrp="1"/>
-          </p:cNvSpPr>
-          <p:nvPr>
-            <p:ph type="sldNum" sz="quarter" idx="2"/>
-          </p:nvPr>
-        </p:nvSpPr>
-        <p:spPr>
-          <a:prstGeom prst="rect">
-            <a:avLst/>
-          </a:prstGeom>
-        </p:spPr>
-        <p:txBody>
-          <a:bodyPr/>
-          <a:lstStyle/>
-          <a:p>
-            <a:fld id="{86CB4B4D-7CA3-9044-876B-883B54F8677D}" type="slidenum">
-              <a:t>‹#›</a:t>
-            </a:fld>
-            <a:endParaRPr/>
-          </a:p>
-        </p:txBody>
-      </p:sp>
-    </p:spTree>
-  </p:cSld>
-  <p:clrMapOvr>
-    <a:masterClrMapping/>
-  </p:clrMapOvr>
-  <p:transition xmlns:p14="http://schemas.microsoft.com/office/powerpoint/2010/main" spd="med"/>
-</p:sldLayout>
-</file>
-
-<file path=ppt/slideLayouts/slideLayout5.xml><?xml version="1.0" encoding="utf-8"?>
 <p:sldLayout xmlns:a="http://schemas.openxmlformats.org/drawingml/2006/main" xmlns:r="http://schemas.openxmlformats.org/officeDocument/2006/relationships" xmlns:p="http://schemas.openxmlformats.org/presentationml/2006/main" type="tx">
   <p:cSld name="Title - Top">
     <p:spTree>
@@ -1550,7 +789,7 @@
 </p:sldLayout>
 </file>
 
-<file path=ppt/slideLayouts/slideLayout6.xml><?xml version="1.0" encoding="utf-8"?>
+<file path=ppt/slideLayouts/slideLayout3.xml><?xml version="1.0" encoding="utf-8"?>
 <p:sldLayout xmlns:a="http://schemas.openxmlformats.org/drawingml/2006/main" xmlns:r="http://schemas.openxmlformats.org/officeDocument/2006/relationships" xmlns:p="http://schemas.openxmlformats.org/presentationml/2006/main" type="tx">
   <p:cSld name="Title &amp; Bullets">
     <p:spTree>
@@ -1676,7 +915,7 @@
 </p:sldLayout>
 </file>
 
-<file path=ppt/slideLayouts/slideLayout7.xml><?xml version="1.0" encoding="utf-8"?>
+<file path=ppt/slideLayouts/slideLayout4.xml><?xml version="1.0" encoding="utf-8"?>
 <p:sldLayout xmlns:a="http://schemas.openxmlformats.org/drawingml/2006/main" xmlns:r="http://schemas.openxmlformats.org/officeDocument/2006/relationships" xmlns:p="http://schemas.openxmlformats.org/presentationml/2006/main" type="tx">
   <p:cSld name="Title, Bullets &amp; Photo">
     <p:spTree>
@@ -1879,7 +1118,7 @@
 </p:sldLayout>
 </file>
 
-<file path=ppt/slideLayouts/slideLayout8.xml><?xml version="1.0" encoding="utf-8"?>
+<file path=ppt/slideLayouts/slideLayout5.xml><?xml version="1.0" encoding="utf-8"?>
 <p:sldLayout xmlns:a="http://schemas.openxmlformats.org/drawingml/2006/main" xmlns:r="http://schemas.openxmlformats.org/officeDocument/2006/relationships" xmlns:p="http://schemas.openxmlformats.org/presentationml/2006/main" type="tx">
   <p:cSld name="Bullets">
     <p:spTree>
@@ -1984,7 +1223,7 @@
 </p:sldLayout>
 </file>
 
-<file path=ppt/slideLayouts/slideLayout9.xml><?xml version="1.0" encoding="utf-8"?>
+<file path=ppt/slideLayouts/slideLayout6.xml><?xml version="1.0" encoding="utf-8"?>
 <p:sldLayout xmlns:a="http://schemas.openxmlformats.org/drawingml/2006/main" xmlns:r="http://schemas.openxmlformats.org/officeDocument/2006/relationships" xmlns:p="http://schemas.openxmlformats.org/presentationml/2006/main" type="tx">
   <p:cSld name="Photo - 3 Up">
     <p:spTree>
@@ -2123,6 +1362,276 @@
 </p:sldLayout>
 </file>
 
+<file path=ppt/slideLayouts/slideLayout7.xml><?xml version="1.0" encoding="utf-8"?>
+<p:sldLayout xmlns:a="http://schemas.openxmlformats.org/drawingml/2006/main" xmlns:r="http://schemas.openxmlformats.org/officeDocument/2006/relationships" xmlns:p="http://schemas.openxmlformats.org/presentationml/2006/main" type="tx">
+  <p:cSld name="Quote">
+    <p:spTree>
+      <p:nvGrpSpPr>
+        <p:cNvPr id="1" name=""/>
+        <p:cNvGrpSpPr/>
+        <p:nvPr/>
+      </p:nvGrpSpPr>
+      <p:grpSpPr>
+        <a:xfrm>
+          <a:off x="0" y="0"/>
+          <a:ext cx="0" cy="0"/>
+          <a:chOff x="0" y="0"/>
+          <a:chExt cx="0" cy="0"/>
+        </a:xfrm>
+      </p:grpSpPr>
+      <p:sp>
+        <p:nvSpPr>
+          <p:cNvPr id="93" name="–Johnny Appleseed"/>
+          <p:cNvSpPr txBox="1">
+            <a:spLocks noGrp="1"/>
+          </p:cNvSpPr>
+          <p:nvPr>
+            <p:ph type="body" sz="quarter" idx="13"/>
+          </p:nvPr>
+        </p:nvSpPr>
+        <p:spPr>
+          <a:xfrm>
+            <a:off x="1270000" y="6362700"/>
+            <a:ext cx="10464800" cy="461366"/>
+          </a:xfrm>
+          <a:prstGeom prst="rect">
+            <a:avLst/>
+          </a:prstGeom>
+        </p:spPr>
+        <p:txBody>
+          <a:bodyPr anchor="t">
+            <a:spAutoFit/>
+          </a:bodyPr>
+          <a:lstStyle>
+            <a:lvl1pPr marL="0" indent="0" algn="ctr">
+              <a:spcBef>
+                <a:spcPts val="0"/>
+              </a:spcBef>
+              <a:buSzTx/>
+              <a:buNone/>
+              <a:defRPr sz="2400" i="1"/>
+            </a:lvl1pPr>
+          </a:lstStyle>
+          <a:p>
+            <a:r>
+              <a:t>–Johnny Appleseed</a:t>
+            </a:r>
+          </a:p>
+        </p:txBody>
+      </p:sp>
+      <p:sp>
+        <p:nvSpPr>
+          <p:cNvPr id="94" name="“Type a quote here.”"/>
+          <p:cNvSpPr txBox="1">
+            <a:spLocks noGrp="1"/>
+          </p:cNvSpPr>
+          <p:nvPr>
+            <p:ph type="body" sz="quarter" idx="14"/>
+          </p:nvPr>
+        </p:nvSpPr>
+        <p:spPr>
+          <a:xfrm>
+            <a:off x="1270000" y="4267112"/>
+            <a:ext cx="10464800" cy="609776"/>
+          </a:xfrm>
+          <a:prstGeom prst="rect">
+            <a:avLst/>
+          </a:prstGeom>
+        </p:spPr>
+        <p:txBody>
+          <a:bodyPr>
+            <a:spAutoFit/>
+          </a:bodyPr>
+          <a:lstStyle>
+            <a:lvl1pPr marL="0" indent="0" algn="ctr">
+              <a:spcBef>
+                <a:spcPts val="0"/>
+              </a:spcBef>
+              <a:buSzTx/>
+              <a:buNone/>
+              <a:defRPr sz="3400">
+                <a:latin typeface="+mn-lt"/>
+                <a:ea typeface="+mn-ea"/>
+                <a:cs typeface="+mn-cs"/>
+                <a:sym typeface="Helvetica Neue Medium"/>
+              </a:defRPr>
+            </a:lvl1pPr>
+          </a:lstStyle>
+          <a:p>
+            <a:r>
+              <a:t>“Type a quote here.” </a:t>
+            </a:r>
+          </a:p>
+        </p:txBody>
+      </p:sp>
+      <p:sp>
+        <p:nvSpPr>
+          <p:cNvPr id="95" name="Slide Number"/>
+          <p:cNvSpPr txBox="1">
+            <a:spLocks noGrp="1"/>
+          </p:cNvSpPr>
+          <p:nvPr>
+            <p:ph type="sldNum" sz="quarter" idx="2"/>
+          </p:nvPr>
+        </p:nvSpPr>
+        <p:spPr>
+          <a:prstGeom prst="rect">
+            <a:avLst/>
+          </a:prstGeom>
+        </p:spPr>
+        <p:txBody>
+          <a:bodyPr/>
+          <a:lstStyle/>
+          <a:p>
+            <a:fld id="{86CB4B4D-7CA3-9044-876B-883B54F8677D}" type="slidenum">
+              <a:t>‹#›</a:t>
+            </a:fld>
+            <a:endParaRPr/>
+          </a:p>
+        </p:txBody>
+      </p:sp>
+    </p:spTree>
+  </p:cSld>
+  <p:clrMapOvr>
+    <a:masterClrMapping/>
+  </p:clrMapOvr>
+  <p:transition xmlns:p14="http://schemas.microsoft.com/office/powerpoint/2010/main" spd="med"/>
+</p:sldLayout>
+</file>
+
+<file path=ppt/slideLayouts/slideLayout8.xml><?xml version="1.0" encoding="utf-8"?>
+<p:sldLayout xmlns:a="http://schemas.openxmlformats.org/drawingml/2006/main" xmlns:r="http://schemas.openxmlformats.org/officeDocument/2006/relationships" xmlns:p="http://schemas.openxmlformats.org/presentationml/2006/main" type="tx">
+  <p:cSld name="Photo">
+    <p:spTree>
+      <p:nvGrpSpPr>
+        <p:cNvPr id="1" name=""/>
+        <p:cNvGrpSpPr/>
+        <p:nvPr/>
+      </p:nvGrpSpPr>
+      <p:grpSpPr>
+        <a:xfrm>
+          <a:off x="0" y="0"/>
+          <a:ext cx="0" cy="0"/>
+          <a:chOff x="0" y="0"/>
+          <a:chExt cx="0" cy="0"/>
+        </a:xfrm>
+      </p:grpSpPr>
+      <p:sp>
+        <p:nvSpPr>
+          <p:cNvPr id="102" name="Image"/>
+          <p:cNvSpPr>
+            <a:spLocks noGrp="1"/>
+          </p:cNvSpPr>
+          <p:nvPr>
+            <p:ph type="pic" idx="13"/>
+          </p:nvPr>
+        </p:nvSpPr>
+        <p:spPr>
+          <a:xfrm>
+            <a:off x="0" y="0"/>
+            <a:ext cx="13004800" cy="9753600"/>
+          </a:xfrm>
+          <a:prstGeom prst="rect">
+            <a:avLst/>
+          </a:prstGeom>
+        </p:spPr>
+        <p:txBody>
+          <a:bodyPr lIns="91439" tIns="45719" rIns="91439" bIns="45719" anchor="t">
+            <a:noAutofit/>
+          </a:bodyPr>
+          <a:lstStyle/>
+          <a:p>
+            <a:endParaRPr/>
+          </a:p>
+        </p:txBody>
+      </p:sp>
+      <p:sp>
+        <p:nvSpPr>
+          <p:cNvPr id="103" name="Slide Number"/>
+          <p:cNvSpPr txBox="1">
+            <a:spLocks noGrp="1"/>
+          </p:cNvSpPr>
+          <p:nvPr>
+            <p:ph type="sldNum" sz="quarter" idx="2"/>
+          </p:nvPr>
+        </p:nvSpPr>
+        <p:spPr>
+          <a:prstGeom prst="rect">
+            <a:avLst/>
+          </a:prstGeom>
+        </p:spPr>
+        <p:txBody>
+          <a:bodyPr/>
+          <a:lstStyle/>
+          <a:p>
+            <a:fld id="{86CB4B4D-7CA3-9044-876B-883B54F8677D}" type="slidenum">
+              <a:t>‹#›</a:t>
+            </a:fld>
+            <a:endParaRPr/>
+          </a:p>
+        </p:txBody>
+      </p:sp>
+    </p:spTree>
+  </p:cSld>
+  <p:clrMapOvr>
+    <a:masterClrMapping/>
+  </p:clrMapOvr>
+  <p:transition xmlns:p14="http://schemas.microsoft.com/office/powerpoint/2010/main" spd="med"/>
+</p:sldLayout>
+</file>
+
+<file path=ppt/slideLayouts/slideLayout9.xml><?xml version="1.0" encoding="utf-8"?>
+<p:sldLayout xmlns:a="http://schemas.openxmlformats.org/drawingml/2006/main" xmlns:r="http://schemas.openxmlformats.org/officeDocument/2006/relationships" xmlns:p="http://schemas.openxmlformats.org/presentationml/2006/main" type="tx">
+  <p:cSld name="Blank">
+    <p:spTree>
+      <p:nvGrpSpPr>
+        <p:cNvPr id="1" name=""/>
+        <p:cNvGrpSpPr/>
+        <p:nvPr/>
+      </p:nvGrpSpPr>
+      <p:grpSpPr>
+        <a:xfrm>
+          <a:off x="0" y="0"/>
+          <a:ext cx="0" cy="0"/>
+          <a:chOff x="0" y="0"/>
+          <a:chExt cx="0" cy="0"/>
+        </a:xfrm>
+      </p:grpSpPr>
+      <p:sp>
+        <p:nvSpPr>
+          <p:cNvPr id="110" name="Slide Number"/>
+          <p:cNvSpPr txBox="1">
+            <a:spLocks noGrp="1"/>
+          </p:cNvSpPr>
+          <p:nvPr>
+            <p:ph type="sldNum" sz="quarter" idx="2"/>
+          </p:nvPr>
+        </p:nvSpPr>
+        <p:spPr>
+          <a:prstGeom prst="rect">
+            <a:avLst/>
+          </a:prstGeom>
+        </p:spPr>
+        <p:txBody>
+          <a:bodyPr/>
+          <a:lstStyle/>
+          <a:p>
+            <a:fld id="{86CB4B4D-7CA3-9044-876B-883B54F8677D}" type="slidenum">
+              <a:t>‹#›</a:t>
+            </a:fld>
+            <a:endParaRPr/>
+          </a:p>
+        </p:txBody>
+      </p:sp>
+    </p:spTree>
+  </p:cSld>
+  <p:clrMapOvr>
+    <a:masterClrMapping/>
+  </p:clrMapOvr>
+  <p:transition xmlns:p14="http://schemas.microsoft.com/office/powerpoint/2010/main" spd="med"/>
+</p:sldLayout>
+</file>
+
 <file path=ppt/slideMasters/slideMaster1.xml><?xml version="1.0" encoding="utf-8"?>
 <p:sldMaster xmlns:a="http://schemas.openxmlformats.org/drawingml/2006/main" xmlns:r="http://schemas.openxmlformats.org/officeDocument/2006/relationships" xmlns:p="http://schemas.openxmlformats.org/presentationml/2006/main">
   <p:cSld>
@@ -2299,17 +1808,14 @@
   <p:clrMap bg1="lt1" tx1="dk1" bg2="lt2" tx2="dk2" accent1="accent1" accent2="accent2" accent3="accent3" accent4="accent4" accent5="accent5" accent6="accent6" hlink="hlink" folHlink="folHlink"/>
   <p:sldLayoutIdLst>
     <p:sldLayoutId id="2147483649" r:id="rId1"/>
-    <p:sldLayoutId id="2147483650" r:id="rId2"/>
-    <p:sldLayoutId id="2147483651" r:id="rId3"/>
-    <p:sldLayoutId id="2147483652" r:id="rId4"/>
-    <p:sldLayoutId id="2147483653" r:id="rId5"/>
-    <p:sldLayoutId id="2147483654" r:id="rId6"/>
-    <p:sldLayoutId id="2147483655" r:id="rId7"/>
-    <p:sldLayoutId id="2147483656" r:id="rId8"/>
-    <p:sldLayoutId id="2147483657" r:id="rId9"/>
-    <p:sldLayoutId id="2147483658" r:id="rId10"/>
-    <p:sldLayoutId id="2147483659" r:id="rId11"/>
-    <p:sldLayoutId id="2147483660" r:id="rId12"/>
+    <p:sldLayoutId id="2147483653" r:id="rId2"/>
+    <p:sldLayoutId id="2147483654" r:id="rId3"/>
+    <p:sldLayoutId id="2147483655" r:id="rId4"/>
+    <p:sldLayoutId id="2147483656" r:id="rId5"/>
+    <p:sldLayoutId id="2147483657" r:id="rId6"/>
+    <p:sldLayoutId id="2147483658" r:id="rId7"/>
+    <p:sldLayoutId id="2147483659" r:id="rId8"/>
+    <p:sldLayoutId id="2147483660" r:id="rId9"/>
   </p:sldLayoutIdLst>
   <p:transition xmlns:p14="http://schemas.microsoft.com/office/powerpoint/2010/main" spd="med"/>
   <p:txStyles>
@@ -3761,6 +3267,482 @@
       </p:grpSpPr>
       <p:sp>
         <p:nvSpPr>
+          <p:cNvPr id="165" name="Exploratory Data Analysis"/>
+          <p:cNvSpPr txBox="1"/>
+          <p:nvPr/>
+        </p:nvSpPr>
+        <p:spPr>
+          <a:xfrm>
+            <a:off x="947042" y="638398"/>
+            <a:ext cx="9435788" cy="1061923"/>
+          </a:xfrm>
+          <a:prstGeom prst="rect">
+            <a:avLst/>
+          </a:prstGeom>
+          <a:ln w="12700">
+            <a:miter lim="400000"/>
+          </a:ln>
+          <a:extLst>
+            <a:ext uri="{C572A759-6A51-4108-AA02-DFA0A04FC94B}">
+              <ma14:wrappingTextBoxFlag xmlns:ma14="http://schemas.microsoft.com/office/mac/drawingml/2011/main" val="1"/>
+            </a:ext>
+          </a:extLst>
+        </p:spPr>
+        <p:txBody>
+          <a:bodyPr lIns="50800" tIns="50800" rIns="50800" bIns="50800">
+            <a:normAutofit/>
+          </a:bodyPr>
+          <a:lstStyle>
+            <a:lvl1pPr marL="555625" indent="-555625" algn="l">
+              <a:buSzPct val="145000"/>
+              <a:buChar char="•"/>
+              <a:defRPr sz="6000" b="0">
+                <a:latin typeface="Helvetica"/>
+                <a:ea typeface="Helvetica"/>
+                <a:cs typeface="Helvetica"/>
+                <a:sym typeface="Helvetica"/>
+              </a:defRPr>
+            </a:lvl1pPr>
+          </a:lstStyle>
+          <a:p>
+            <a:pPr marL="0" indent="0">
+              <a:buNone/>
+            </a:pPr>
+            <a:r>
+              <a:rPr dirty="0"/>
+              <a:t>Exploratory Data Analysis</a:t>
+            </a:r>
+          </a:p>
+        </p:txBody>
+      </p:sp>
+      <p:pic>
+        <p:nvPicPr>
+          <p:cNvPr id="8" name="图片 7" descr="CrimeDecomposed.png"/>
+          <p:cNvPicPr>
+            <a:picLocks noChangeAspect="1"/>
+          </p:cNvPicPr>
+          <p:nvPr/>
+        </p:nvPicPr>
+        <p:blipFill>
+          <a:blip r:embed="rId2">
+            <a:extLst>
+              <a:ext uri="{28A0092B-C50C-407E-A947-70E740481C1C}">
+                <a14:useLocalDpi xmlns:a14="http://schemas.microsoft.com/office/drawing/2010/main" val="0"/>
+              </a:ext>
+            </a:extLst>
+          </a:blip>
+          <a:stretch>
+            <a:fillRect/>
+          </a:stretch>
+        </p:blipFill>
+        <p:spPr>
+          <a:xfrm>
+            <a:off x="739206" y="2070950"/>
+            <a:ext cx="10909122" cy="6545473"/>
+          </a:xfrm>
+          <a:prstGeom prst="rect">
+            <a:avLst/>
+          </a:prstGeom>
+        </p:spPr>
+      </p:pic>
+      <p:sp>
+        <p:nvSpPr>
+          <p:cNvPr id="167" name="Time series analysis: year"/>
+          <p:cNvSpPr txBox="1"/>
+          <p:nvPr/>
+        </p:nvSpPr>
+        <p:spPr>
+          <a:xfrm>
+            <a:off x="3884383" y="1625710"/>
+            <a:ext cx="5236034" cy="635001"/>
+          </a:xfrm>
+          <a:prstGeom prst="rect">
+            <a:avLst/>
+          </a:prstGeom>
+          <a:ln w="12700">
+            <a:miter lim="400000"/>
+          </a:ln>
+          <a:extLst>
+            <a:ext uri="{C572A759-6A51-4108-AA02-DFA0A04FC94B}">
+              <ma14:wrappingTextBoxFlag xmlns:ma14="http://schemas.microsoft.com/office/mac/drawingml/2011/main" val="1"/>
+            </a:ext>
+          </a:extLst>
+        </p:spPr>
+        <p:txBody>
+          <a:bodyPr wrap="none" lIns="50800" tIns="50800" rIns="50800" bIns="50800" anchor="ctr">
+            <a:spAutoFit/>
+          </a:bodyPr>
+          <a:lstStyle>
+            <a:lvl1pPr algn="l" defTabSz="457200">
+              <a:lnSpc>
+                <a:spcPts val="6400"/>
+              </a:lnSpc>
+              <a:spcBef>
+                <a:spcPts val="1600"/>
+              </a:spcBef>
+              <a:defRPr sz="3500" b="0">
+                <a:solidFill>
+                  <a:srgbClr val="24292E"/>
+                </a:solidFill>
+                <a:latin typeface="Helvetica"/>
+                <a:ea typeface="Helvetica"/>
+                <a:cs typeface="Helvetica"/>
+                <a:sym typeface="Helvetica"/>
+              </a:defRPr>
+            </a:lvl1pPr>
+          </a:lstStyle>
+          <a:p>
+            <a:r>
+              <a:rPr dirty="0"/>
+              <a:t>Time series analysis: year</a:t>
+            </a:r>
+          </a:p>
+        </p:txBody>
+      </p:sp>
+      <p:sp>
+        <p:nvSpPr>
+          <p:cNvPr id="168" name="The crime trend: overall crimes in Houston have a decreasing trend in 2017 compared to 2016."/>
+          <p:cNvSpPr txBox="1"/>
+          <p:nvPr/>
+        </p:nvSpPr>
+        <p:spPr>
+          <a:xfrm>
+            <a:off x="2122845" y="8308562"/>
+            <a:ext cx="8569570" cy="1025922"/>
+          </a:xfrm>
+          <a:prstGeom prst="rect">
+            <a:avLst/>
+          </a:prstGeom>
+          <a:ln w="12700">
+            <a:miter lim="400000"/>
+          </a:ln>
+          <a:extLst>
+            <a:ext uri="{C572A759-6A51-4108-AA02-DFA0A04FC94B}">
+              <ma14:wrappingTextBoxFlag xmlns:ma14="http://schemas.microsoft.com/office/mac/drawingml/2011/main" val="1"/>
+            </a:ext>
+          </a:extLst>
+        </p:spPr>
+        <p:txBody>
+          <a:bodyPr lIns="50800" tIns="50800" rIns="50800" bIns="50800" anchor="ctr">
+            <a:spAutoFit/>
+          </a:bodyPr>
+          <a:lstStyle>
+            <a:lvl1pPr algn="just" defTabSz="457200">
+              <a:lnSpc>
+                <a:spcPts val="5400"/>
+              </a:lnSpc>
+              <a:defRPr sz="3000" b="0">
+                <a:solidFill>
+                  <a:srgbClr val="24292E"/>
+                </a:solidFill>
+                <a:latin typeface="Helvetica"/>
+                <a:ea typeface="Helvetica"/>
+                <a:cs typeface="Helvetica"/>
+                <a:sym typeface="Helvetica"/>
+              </a:defRPr>
+            </a:lvl1pPr>
+          </a:lstStyle>
+          <a:p>
+            <a:pPr>
+              <a:lnSpc>
+                <a:spcPct val="100000"/>
+              </a:lnSpc>
+            </a:pPr>
+            <a:r>
+              <a:rPr dirty="0"/>
+              <a:t>The crime </a:t>
+            </a:r>
+            <a:r>
+              <a:rPr lang="en-US" dirty="0" smtClean="0"/>
+              <a:t>types decomposed</a:t>
+            </a:r>
+            <a:r>
+              <a:rPr dirty="0" smtClean="0"/>
+              <a:t>:</a:t>
+            </a:r>
+            <a:r>
+              <a:rPr lang="en-US" dirty="0" smtClean="0"/>
+              <a:t>  violent crimes like ‘AggravatedAssault’ and ‘Rape’ increased.</a:t>
+            </a:r>
+            <a:endParaRPr dirty="0"/>
+          </a:p>
+        </p:txBody>
+      </p:sp>
+    </p:spTree>
+    <p:extLst>
+      <p:ext uri="{BB962C8B-B14F-4D97-AF65-F5344CB8AC3E}">
+        <p14:creationId xmlns:p14="http://schemas.microsoft.com/office/powerpoint/2010/main" val="1576003236"/>
+      </p:ext>
+    </p:extLst>
+  </p:cSld>
+  <p:clrMapOvr>
+    <a:masterClrMapping/>
+  </p:clrMapOvr>
+  <p:transition xmlns:p14="http://schemas.microsoft.com/office/powerpoint/2010/main" spd="med"/>
+  <p:timing>
+    <p:tnLst>
+      <p:par>
+        <p:cTn xmlns:p14="http://schemas.microsoft.com/office/powerpoint/2010/main" id="1" dur="indefinite" restart="never" nodeType="tmRoot"/>
+      </p:par>
+    </p:tnLst>
+  </p:timing>
+</p:sld>
+</file>
+
+<file path=ppt/slides/slide13.xml><?xml version="1.0" encoding="utf-8"?>
+<p:sld xmlns:a="http://schemas.openxmlformats.org/drawingml/2006/main" xmlns:r="http://schemas.openxmlformats.org/officeDocument/2006/relationships" xmlns:p="http://schemas.openxmlformats.org/presentationml/2006/main">
+  <p:cSld>
+    <p:spTree>
+      <p:nvGrpSpPr>
+        <p:cNvPr id="1" name=""/>
+        <p:cNvGrpSpPr/>
+        <p:nvPr/>
+      </p:nvGrpSpPr>
+      <p:grpSpPr>
+        <a:xfrm>
+          <a:off x="0" y="0"/>
+          <a:ext cx="0" cy="0"/>
+          <a:chOff x="0" y="0"/>
+          <a:chExt cx="0" cy="0"/>
+        </a:xfrm>
+      </p:grpSpPr>
+      <p:pic>
+        <p:nvPicPr>
+          <p:cNvPr id="2" name="图片 1" descr="trends.png"/>
+          <p:cNvPicPr>
+            <a:picLocks noChangeAspect="1"/>
+          </p:cNvPicPr>
+          <p:nvPr/>
+        </p:nvPicPr>
+        <p:blipFill>
+          <a:blip r:embed="rId2">
+            <a:extLst>
+              <a:ext uri="{28A0092B-C50C-407E-A947-70E740481C1C}">
+                <a14:useLocalDpi xmlns:a14="http://schemas.microsoft.com/office/drawing/2010/main" val="0"/>
+              </a:ext>
+            </a:extLst>
+          </a:blip>
+          <a:stretch>
+            <a:fillRect/>
+          </a:stretch>
+        </p:blipFill>
+        <p:spPr>
+          <a:xfrm>
+            <a:off x="1080376" y="2274480"/>
+            <a:ext cx="11201804" cy="6721083"/>
+          </a:xfrm>
+          <a:prstGeom prst="rect">
+            <a:avLst/>
+          </a:prstGeom>
+        </p:spPr>
+      </p:pic>
+      <p:sp>
+        <p:nvSpPr>
+          <p:cNvPr id="165" name="Exploratory Data Analysis"/>
+          <p:cNvSpPr txBox="1"/>
+          <p:nvPr/>
+        </p:nvSpPr>
+        <p:spPr>
+          <a:xfrm>
+            <a:off x="947042" y="638398"/>
+            <a:ext cx="9435788" cy="1061923"/>
+          </a:xfrm>
+          <a:prstGeom prst="rect">
+            <a:avLst/>
+          </a:prstGeom>
+          <a:ln w="12700">
+            <a:miter lim="400000"/>
+          </a:ln>
+          <a:extLst>
+            <a:ext uri="{C572A759-6A51-4108-AA02-DFA0A04FC94B}">
+              <ma14:wrappingTextBoxFlag xmlns:ma14="http://schemas.microsoft.com/office/mac/drawingml/2011/main" val="1"/>
+            </a:ext>
+          </a:extLst>
+        </p:spPr>
+        <p:txBody>
+          <a:bodyPr lIns="50800" tIns="50800" rIns="50800" bIns="50800">
+            <a:normAutofit/>
+          </a:bodyPr>
+          <a:lstStyle>
+            <a:lvl1pPr marL="555625" indent="-555625" algn="l">
+              <a:buSzPct val="145000"/>
+              <a:buChar char="•"/>
+              <a:defRPr sz="6000" b="0">
+                <a:latin typeface="Helvetica"/>
+                <a:ea typeface="Helvetica"/>
+                <a:cs typeface="Helvetica"/>
+                <a:sym typeface="Helvetica"/>
+              </a:defRPr>
+            </a:lvl1pPr>
+          </a:lstStyle>
+          <a:p>
+            <a:pPr marL="0" indent="0">
+              <a:buNone/>
+            </a:pPr>
+            <a:r>
+              <a:rPr dirty="0"/>
+              <a:t>Exploratory Data Analysis</a:t>
+            </a:r>
+          </a:p>
+        </p:txBody>
+      </p:sp>
+      <p:sp>
+        <p:nvSpPr>
+          <p:cNvPr id="167" name="Time series analysis: year"/>
+          <p:cNvSpPr txBox="1"/>
+          <p:nvPr/>
+        </p:nvSpPr>
+        <p:spPr>
+          <a:xfrm>
+            <a:off x="3107269" y="1618799"/>
+            <a:ext cx="5665106" cy="876308"/>
+          </a:xfrm>
+          <a:prstGeom prst="rect">
+            <a:avLst/>
+          </a:prstGeom>
+          <a:ln w="12700">
+            <a:miter lim="400000"/>
+          </a:ln>
+          <a:extLst>
+            <a:ext uri="{C572A759-6A51-4108-AA02-DFA0A04FC94B}">
+              <ma14:wrappingTextBoxFlag xmlns:ma14="http://schemas.microsoft.com/office/mac/drawingml/2011/main" val="1"/>
+            </a:ext>
+          </a:extLst>
+        </p:spPr>
+        <p:txBody>
+          <a:bodyPr wrap="none" lIns="50800" tIns="50800" rIns="50800" bIns="50800" anchor="ctr">
+            <a:spAutoFit/>
+          </a:bodyPr>
+          <a:lstStyle>
+            <a:lvl1pPr algn="l" defTabSz="457200">
+              <a:lnSpc>
+                <a:spcPts val="6400"/>
+              </a:lnSpc>
+              <a:spcBef>
+                <a:spcPts val="1600"/>
+              </a:spcBef>
+              <a:defRPr sz="3500" b="0">
+                <a:solidFill>
+                  <a:srgbClr val="24292E"/>
+                </a:solidFill>
+                <a:latin typeface="Helvetica"/>
+                <a:ea typeface="Helvetica"/>
+                <a:cs typeface="Helvetica"/>
+                <a:sym typeface="Helvetica"/>
+              </a:defRPr>
+            </a:lvl1pPr>
+          </a:lstStyle>
+          <a:p>
+            <a:pPr algn="ctr"/>
+            <a:r>
+              <a:rPr dirty="0"/>
+              <a:t>Time series analysis: </a:t>
+            </a:r>
+            <a:r>
+              <a:rPr lang="en-US" dirty="0" smtClean="0"/>
+              <a:t>trends</a:t>
+            </a:r>
+            <a:endParaRPr dirty="0"/>
+          </a:p>
+        </p:txBody>
+      </p:sp>
+      <p:sp>
+        <p:nvSpPr>
+          <p:cNvPr id="168" name="The crime trend: overall crimes in Houston have a decreasing trend in 2017 compared to 2016."/>
+          <p:cNvSpPr txBox="1"/>
+          <p:nvPr/>
+        </p:nvSpPr>
+        <p:spPr>
+          <a:xfrm>
+            <a:off x="2122845" y="8308562"/>
+            <a:ext cx="9135820" cy="1025922"/>
+          </a:xfrm>
+          <a:prstGeom prst="rect">
+            <a:avLst/>
+          </a:prstGeom>
+          <a:ln w="12700">
+            <a:miter lim="400000"/>
+          </a:ln>
+          <a:extLst>
+            <a:ext uri="{C572A759-6A51-4108-AA02-DFA0A04FC94B}">
+              <ma14:wrappingTextBoxFlag xmlns:ma14="http://schemas.microsoft.com/office/mac/drawingml/2011/main" val="1"/>
+            </a:ext>
+          </a:extLst>
+        </p:spPr>
+        <p:txBody>
+          <a:bodyPr wrap="square" lIns="50800" tIns="50800" rIns="50800" bIns="50800" anchor="ctr">
+            <a:spAutoFit/>
+          </a:bodyPr>
+          <a:lstStyle>
+            <a:lvl1pPr algn="just" defTabSz="457200">
+              <a:lnSpc>
+                <a:spcPts val="5400"/>
+              </a:lnSpc>
+              <a:defRPr sz="3000" b="0">
+                <a:solidFill>
+                  <a:srgbClr val="24292E"/>
+                </a:solidFill>
+                <a:latin typeface="Helvetica"/>
+                <a:ea typeface="Helvetica"/>
+                <a:cs typeface="Helvetica"/>
+                <a:sym typeface="Helvetica"/>
+              </a:defRPr>
+            </a:lvl1pPr>
+          </a:lstStyle>
+          <a:p>
+            <a:pPr>
+              <a:lnSpc>
+                <a:spcPct val="100000"/>
+              </a:lnSpc>
+            </a:pPr>
+            <a:r>
+              <a:rPr lang="en-US" dirty="0" smtClean="0"/>
+              <a:t>We apply the moving average model to smooth out short-term fluctuations and highlight long-term trends.</a:t>
+            </a:r>
+            <a:endParaRPr dirty="0"/>
+          </a:p>
+        </p:txBody>
+      </p:sp>
+    </p:spTree>
+    <p:extLst>
+      <p:ext uri="{BB962C8B-B14F-4D97-AF65-F5344CB8AC3E}">
+        <p14:creationId xmlns:p14="http://schemas.microsoft.com/office/powerpoint/2010/main" val="3682826680"/>
+      </p:ext>
+    </p:extLst>
+  </p:cSld>
+  <p:clrMapOvr>
+    <a:masterClrMapping/>
+  </p:clrMapOvr>
+  <p:transition xmlns:p14="http://schemas.microsoft.com/office/powerpoint/2010/main" spd="med"/>
+  <p:timing>
+    <p:tnLst>
+      <p:par>
+        <p:cTn xmlns:p14="http://schemas.microsoft.com/office/powerpoint/2010/main" id="1" dur="indefinite" restart="never" nodeType="tmRoot"/>
+      </p:par>
+    </p:tnLst>
+  </p:timing>
+</p:sld>
+</file>
+
+<file path=ppt/slides/slide14.xml><?xml version="1.0" encoding="utf-8"?>
+<p:sld xmlns:a="http://schemas.openxmlformats.org/drawingml/2006/main" xmlns:r="http://schemas.openxmlformats.org/officeDocument/2006/relationships" xmlns:p="http://schemas.openxmlformats.org/presentationml/2006/main">
+  <p:cSld>
+    <p:spTree>
+      <p:nvGrpSpPr>
+        <p:cNvPr id="1" name=""/>
+        <p:cNvGrpSpPr/>
+        <p:nvPr/>
+      </p:nvGrpSpPr>
+      <p:grpSpPr>
+        <a:xfrm>
+          <a:off x="0" y="0"/>
+          <a:ext cx="0" cy="0"/>
+          <a:chOff x="0" y="0"/>
+          <a:chExt cx="0" cy="0"/>
+        </a:xfrm>
+      </p:grpSpPr>
+      <p:sp>
+        <p:nvSpPr>
           <p:cNvPr id="170" name="Month tends: summer months have more occurrences than winter months"/>
           <p:cNvSpPr txBox="1"/>
           <p:nvPr/>
@@ -3966,7 +3948,7 @@
 </p:sld>
 </file>
 
-<file path=ppt/slides/slide13.xml><?xml version="1.0" encoding="utf-8"?>
+<file path=ppt/slides/slide15.xml><?xml version="1.0" encoding="utf-8"?>
 <p:sld xmlns:a="http://schemas.openxmlformats.org/drawingml/2006/main" xmlns:r="http://schemas.openxmlformats.org/officeDocument/2006/relationships" xmlns:p="http://schemas.openxmlformats.org/presentationml/2006/main">
   <p:cSld>
     <p:spTree>
@@ -4190,7 +4172,7 @@
 </p:sld>
 </file>
 
-<file path=ppt/slides/slide14.xml><?xml version="1.0" encoding="utf-8"?>
+<file path=ppt/slides/slide16.xml><?xml version="1.0" encoding="utf-8"?>
 <p:sld xmlns:a="http://schemas.openxmlformats.org/drawingml/2006/main" xmlns:r="http://schemas.openxmlformats.org/officeDocument/2006/relationships" xmlns:p="http://schemas.openxmlformats.org/presentationml/2006/main">
   <p:cSld>
     <p:spTree>
@@ -4414,7 +4396,7 @@
 </p:sld>
 </file>
 
-<file path=ppt/slides/slide15.xml><?xml version="1.0" encoding="utf-8"?>
+<file path=ppt/slides/slide17.xml><?xml version="1.0" encoding="utf-8"?>
 <p:sld xmlns:a="http://schemas.openxmlformats.org/drawingml/2006/main" xmlns:r="http://schemas.openxmlformats.org/officeDocument/2006/relationships" xmlns:p="http://schemas.openxmlformats.org/presentationml/2006/main">
   <p:cSld>
     <p:spTree>
@@ -4630,7 +4612,7 @@
 </p:sld>
 </file>
 
-<file path=ppt/slides/slide16.xml><?xml version="1.0" encoding="utf-8"?>
+<file path=ppt/slides/slide18.xml><?xml version="1.0" encoding="utf-8"?>
 <p:sld xmlns:a="http://schemas.openxmlformats.org/drawingml/2006/main" xmlns:r="http://schemas.openxmlformats.org/officeDocument/2006/relationships" xmlns:p="http://schemas.openxmlformats.org/presentationml/2006/main">
   <p:cSld>
     <p:spTree>
@@ -4851,7 +4833,7 @@
 </p:sld>
 </file>
 
-<file path=ppt/slides/slide17.xml><?xml version="1.0" encoding="utf-8"?>
+<file path=ppt/slides/slide19.xml><?xml version="1.0" encoding="utf-8"?>
 <p:sld xmlns:a="http://schemas.openxmlformats.org/drawingml/2006/main" xmlns:r="http://schemas.openxmlformats.org/officeDocument/2006/relationships" xmlns:p="http://schemas.openxmlformats.org/presentationml/2006/main">
   <p:cSld>
     <p:spTree>
@@ -5074,7 +5056,256 @@
 </p:sld>
 </file>
 
-<file path=ppt/slides/slide18.xml><?xml version="1.0" encoding="utf-8"?>
+<file path=ppt/slides/slide2.xml><?xml version="1.0" encoding="utf-8"?>
+<p:sld xmlns:a="http://schemas.openxmlformats.org/drawingml/2006/main" xmlns:r="http://schemas.openxmlformats.org/officeDocument/2006/relationships" xmlns:p="http://schemas.openxmlformats.org/presentationml/2006/main">
+  <p:cSld>
+    <p:spTree>
+      <p:nvGrpSpPr>
+        <p:cNvPr id="1" name=""/>
+        <p:cNvGrpSpPr/>
+        <p:nvPr/>
+      </p:nvGrpSpPr>
+      <p:grpSpPr>
+        <a:xfrm>
+          <a:off x="0" y="0"/>
+          <a:ext cx="0" cy="0"/>
+          <a:chOff x="0" y="0"/>
+          <a:chExt cx="0" cy="0"/>
+        </a:xfrm>
+      </p:grpSpPr>
+      <p:sp>
+        <p:nvSpPr>
+          <p:cNvPr id="124" name="Problems and Clients…"/>
+          <p:cNvSpPr txBox="1"/>
+          <p:nvPr/>
+        </p:nvSpPr>
+        <p:spPr>
+          <a:xfrm>
+            <a:off x="951276" y="2094664"/>
+            <a:ext cx="11102248" cy="6301599"/>
+          </a:xfrm>
+          <a:prstGeom prst="rect">
+            <a:avLst/>
+          </a:prstGeom>
+          <a:ln w="12700">
+            <a:miter lim="400000"/>
+          </a:ln>
+          <a:extLst>
+            <a:ext uri="{C572A759-6A51-4108-AA02-DFA0A04FC94B}">
+              <ma14:wrappingTextBoxFlag xmlns:ma14="http://schemas.microsoft.com/office/mac/drawingml/2011/main" val="1"/>
+            </a:ext>
+          </a:extLst>
+        </p:spPr>
+        <p:txBody>
+          <a:bodyPr lIns="50800" tIns="50800" rIns="50800" bIns="50800">
+            <a:normAutofit/>
+          </a:bodyPr>
+          <a:lstStyle/>
+          <a:p>
+            <a:pPr marL="571500" indent="-571500" algn="l">
+              <a:buSzPct val="60000"/>
+              <a:buFont typeface="Wingdings" charset="2"/>
+              <a:buChar char="l"/>
+              <a:defRPr sz="4400" b="0">
+                <a:latin typeface="Helvetica"/>
+                <a:ea typeface="Helvetica"/>
+                <a:cs typeface="Helvetica"/>
+                <a:sym typeface="Helvetica"/>
+              </a:defRPr>
+            </a:pPr>
+            <a:r>
+              <a:rPr dirty="0"/>
+              <a:t>Problems and Clients</a:t>
+            </a:r>
+          </a:p>
+          <a:p>
+            <a:pPr marL="571500" indent="-571500" algn="l">
+              <a:buSzPct val="60000"/>
+              <a:buFont typeface="Wingdings" charset="2"/>
+              <a:buChar char="l"/>
+              <a:defRPr sz="4400" b="0">
+                <a:latin typeface="Helvetica"/>
+                <a:ea typeface="Helvetica"/>
+                <a:cs typeface="Helvetica"/>
+                <a:sym typeface="Helvetica"/>
+              </a:defRPr>
+            </a:pPr>
+            <a:endParaRPr dirty="0"/>
+          </a:p>
+          <a:p>
+            <a:pPr marL="571500" indent="-571500" algn="l">
+              <a:buSzPct val="60000"/>
+              <a:buFont typeface="Wingdings" charset="2"/>
+              <a:buChar char="l"/>
+              <a:defRPr sz="4400" b="0">
+                <a:latin typeface="Helvetica"/>
+                <a:ea typeface="Helvetica"/>
+                <a:cs typeface="Helvetica"/>
+                <a:sym typeface="Helvetica"/>
+              </a:defRPr>
+            </a:pPr>
+            <a:r>
+              <a:rPr dirty="0"/>
+              <a:t>Data Acquisition and Data Cleaning</a:t>
+            </a:r>
+          </a:p>
+          <a:p>
+            <a:pPr marL="571500" indent="-571500" algn="l">
+              <a:buSzPct val="60000"/>
+              <a:buFont typeface="Wingdings" charset="2"/>
+              <a:buChar char="l"/>
+              <a:defRPr sz="4400" b="0">
+                <a:latin typeface="Helvetica"/>
+                <a:ea typeface="Helvetica"/>
+                <a:cs typeface="Helvetica"/>
+                <a:sym typeface="Helvetica"/>
+              </a:defRPr>
+            </a:pPr>
+            <a:endParaRPr dirty="0"/>
+          </a:p>
+          <a:p>
+            <a:pPr marL="571500" indent="-571500" algn="l">
+              <a:buSzPct val="60000"/>
+              <a:buFont typeface="Wingdings" charset="2"/>
+              <a:buChar char="l"/>
+              <a:defRPr sz="4400" b="0">
+                <a:latin typeface="Helvetica"/>
+                <a:ea typeface="Helvetica"/>
+                <a:cs typeface="Helvetica"/>
+                <a:sym typeface="Helvetica"/>
+              </a:defRPr>
+            </a:pPr>
+            <a:r>
+              <a:rPr dirty="0"/>
+              <a:t>Exploratory Data Analysis</a:t>
+            </a:r>
+          </a:p>
+          <a:p>
+            <a:pPr marL="571500" indent="-571500" algn="l">
+              <a:buSzPct val="60000"/>
+              <a:buFont typeface="Wingdings" charset="2"/>
+              <a:buChar char="l"/>
+              <a:defRPr sz="4400" b="0">
+                <a:latin typeface="Helvetica"/>
+                <a:ea typeface="Helvetica"/>
+                <a:cs typeface="Helvetica"/>
+                <a:sym typeface="Helvetica"/>
+              </a:defRPr>
+            </a:pPr>
+            <a:endParaRPr dirty="0"/>
+          </a:p>
+          <a:p>
+            <a:pPr marL="571500" indent="-571500" algn="l">
+              <a:buSzPct val="60000"/>
+              <a:buFont typeface="Wingdings" charset="2"/>
+              <a:buChar char="l"/>
+              <a:defRPr sz="4400" b="0">
+                <a:latin typeface="Helvetica"/>
+                <a:ea typeface="Helvetica"/>
+                <a:cs typeface="Helvetica"/>
+                <a:sym typeface="Helvetica"/>
+              </a:defRPr>
+            </a:pPr>
+            <a:r>
+              <a:rPr dirty="0"/>
+              <a:t>Machine Learning Models and Predictions</a:t>
+            </a:r>
+          </a:p>
+          <a:p>
+            <a:pPr marL="571500" indent="-571500" algn="l">
+              <a:buSzPct val="60000"/>
+              <a:buFont typeface="Wingdings" charset="2"/>
+              <a:buChar char="l"/>
+              <a:defRPr sz="4400" b="0">
+                <a:latin typeface="Helvetica"/>
+                <a:ea typeface="Helvetica"/>
+                <a:cs typeface="Helvetica"/>
+                <a:sym typeface="Helvetica"/>
+              </a:defRPr>
+            </a:pPr>
+            <a:endParaRPr dirty="0"/>
+          </a:p>
+          <a:p>
+            <a:pPr marL="571500" indent="-571500" algn="l">
+              <a:buSzPct val="60000"/>
+              <a:buFont typeface="Wingdings" charset="2"/>
+              <a:buChar char="l"/>
+              <a:defRPr sz="4400" b="0">
+                <a:latin typeface="Helvetica"/>
+                <a:ea typeface="Helvetica"/>
+                <a:cs typeface="Helvetica"/>
+                <a:sym typeface="Helvetica"/>
+              </a:defRPr>
+            </a:pPr>
+            <a:r>
+              <a:rPr dirty="0"/>
+              <a:t>Conclusions and Future Work</a:t>
+            </a:r>
+          </a:p>
+        </p:txBody>
+      </p:sp>
+      <p:sp>
+        <p:nvSpPr>
+          <p:cNvPr id="125" name="Outlines"/>
+          <p:cNvSpPr txBox="1"/>
+          <p:nvPr/>
+        </p:nvSpPr>
+        <p:spPr>
+          <a:xfrm>
+            <a:off x="947043" y="638398"/>
+            <a:ext cx="3074788" cy="1090299"/>
+          </a:xfrm>
+          <a:prstGeom prst="rect">
+            <a:avLst/>
+          </a:prstGeom>
+          <a:ln w="12700">
+            <a:miter lim="400000"/>
+          </a:ln>
+          <a:extLst>
+            <a:ext uri="{C572A759-6A51-4108-AA02-DFA0A04FC94B}">
+              <ma14:wrappingTextBoxFlag xmlns:ma14="http://schemas.microsoft.com/office/mac/drawingml/2011/main" val="1"/>
+            </a:ext>
+          </a:extLst>
+        </p:spPr>
+        <p:txBody>
+          <a:bodyPr lIns="50800" tIns="50800" rIns="50800" bIns="50800">
+            <a:normAutofit/>
+          </a:bodyPr>
+          <a:lstStyle>
+            <a:lvl1pPr algn="l">
+              <a:defRPr sz="6000" b="0">
+                <a:latin typeface="Helvetica"/>
+                <a:ea typeface="Helvetica"/>
+                <a:cs typeface="Helvetica"/>
+                <a:sym typeface="Helvetica"/>
+              </a:defRPr>
+            </a:lvl1pPr>
+          </a:lstStyle>
+          <a:p>
+            <a:r>
+              <a:rPr dirty="0"/>
+              <a:t>Outlines</a:t>
+            </a:r>
+          </a:p>
+        </p:txBody>
+      </p:sp>
+    </p:spTree>
+  </p:cSld>
+  <p:clrMapOvr>
+    <a:masterClrMapping/>
+  </p:clrMapOvr>
+  <p:transition xmlns:p14="http://schemas.microsoft.com/office/powerpoint/2010/main" spd="med"/>
+  <p:timing>
+    <p:tnLst>
+      <p:par>
+        <p:cTn xmlns:p14="http://schemas.microsoft.com/office/powerpoint/2010/main" id="1" dur="indefinite" restart="never" nodeType="tmRoot"/>
+      </p:par>
+    </p:tnLst>
+  </p:timing>
+</p:sld>
+</file>
+
+<file path=ppt/slides/slide20.xml><?xml version="1.0" encoding="utf-8"?>
 <p:sld xmlns:a="http://schemas.openxmlformats.org/drawingml/2006/main" xmlns:r="http://schemas.openxmlformats.org/officeDocument/2006/relationships" xmlns:p="http://schemas.openxmlformats.org/presentationml/2006/main">
   <p:cSld>
     <p:spTree>
@@ -5417,7 +5648,7 @@
 </p:sld>
 </file>
 
-<file path=ppt/slides/slide19.xml><?xml version="1.0" encoding="utf-8"?>
+<file path=ppt/slides/slide21.xml><?xml version="1.0" encoding="utf-8"?>
 <p:sld xmlns:a="http://schemas.openxmlformats.org/drawingml/2006/main" xmlns:r="http://schemas.openxmlformats.org/officeDocument/2006/relationships" xmlns:p="http://schemas.openxmlformats.org/presentationml/2006/main">
   <p:cSld>
     <p:spTree>
@@ -5529,256 +5760,7 @@
 </p:sld>
 </file>
 
-<file path=ppt/slides/slide2.xml><?xml version="1.0" encoding="utf-8"?>
-<p:sld xmlns:a="http://schemas.openxmlformats.org/drawingml/2006/main" xmlns:r="http://schemas.openxmlformats.org/officeDocument/2006/relationships" xmlns:p="http://schemas.openxmlformats.org/presentationml/2006/main">
-  <p:cSld>
-    <p:spTree>
-      <p:nvGrpSpPr>
-        <p:cNvPr id="1" name=""/>
-        <p:cNvGrpSpPr/>
-        <p:nvPr/>
-      </p:nvGrpSpPr>
-      <p:grpSpPr>
-        <a:xfrm>
-          <a:off x="0" y="0"/>
-          <a:ext cx="0" cy="0"/>
-          <a:chOff x="0" y="0"/>
-          <a:chExt cx="0" cy="0"/>
-        </a:xfrm>
-      </p:grpSpPr>
-      <p:sp>
-        <p:nvSpPr>
-          <p:cNvPr id="124" name="Problems and Clients…"/>
-          <p:cNvSpPr txBox="1"/>
-          <p:nvPr/>
-        </p:nvSpPr>
-        <p:spPr>
-          <a:xfrm>
-            <a:off x="951276" y="2094664"/>
-            <a:ext cx="11102248" cy="6301599"/>
-          </a:xfrm>
-          <a:prstGeom prst="rect">
-            <a:avLst/>
-          </a:prstGeom>
-          <a:ln w="12700">
-            <a:miter lim="400000"/>
-          </a:ln>
-          <a:extLst>
-            <a:ext uri="{C572A759-6A51-4108-AA02-DFA0A04FC94B}">
-              <ma14:wrappingTextBoxFlag xmlns:ma14="http://schemas.microsoft.com/office/mac/drawingml/2011/main" val="1"/>
-            </a:ext>
-          </a:extLst>
-        </p:spPr>
-        <p:txBody>
-          <a:bodyPr lIns="50800" tIns="50800" rIns="50800" bIns="50800">
-            <a:normAutofit/>
-          </a:bodyPr>
-          <a:lstStyle/>
-          <a:p>
-            <a:pPr marL="571500" indent="-571500" algn="l">
-              <a:buSzPct val="60000"/>
-              <a:buFont typeface="Wingdings" charset="2"/>
-              <a:buChar char="l"/>
-              <a:defRPr sz="4400" b="0">
-                <a:latin typeface="Helvetica"/>
-                <a:ea typeface="Helvetica"/>
-                <a:cs typeface="Helvetica"/>
-                <a:sym typeface="Helvetica"/>
-              </a:defRPr>
-            </a:pPr>
-            <a:r>
-              <a:rPr dirty="0"/>
-              <a:t>Problems and Clients</a:t>
-            </a:r>
-          </a:p>
-          <a:p>
-            <a:pPr marL="571500" indent="-571500" algn="l">
-              <a:buSzPct val="60000"/>
-              <a:buFont typeface="Wingdings" charset="2"/>
-              <a:buChar char="l"/>
-              <a:defRPr sz="4400" b="0">
-                <a:latin typeface="Helvetica"/>
-                <a:ea typeface="Helvetica"/>
-                <a:cs typeface="Helvetica"/>
-                <a:sym typeface="Helvetica"/>
-              </a:defRPr>
-            </a:pPr>
-            <a:endParaRPr dirty="0"/>
-          </a:p>
-          <a:p>
-            <a:pPr marL="571500" indent="-571500" algn="l">
-              <a:buSzPct val="60000"/>
-              <a:buFont typeface="Wingdings" charset="2"/>
-              <a:buChar char="l"/>
-              <a:defRPr sz="4400" b="0">
-                <a:latin typeface="Helvetica"/>
-                <a:ea typeface="Helvetica"/>
-                <a:cs typeface="Helvetica"/>
-                <a:sym typeface="Helvetica"/>
-              </a:defRPr>
-            </a:pPr>
-            <a:r>
-              <a:rPr dirty="0"/>
-              <a:t>Data Acquisition and Data Cleaning</a:t>
-            </a:r>
-          </a:p>
-          <a:p>
-            <a:pPr marL="571500" indent="-571500" algn="l">
-              <a:buSzPct val="60000"/>
-              <a:buFont typeface="Wingdings" charset="2"/>
-              <a:buChar char="l"/>
-              <a:defRPr sz="4400" b="0">
-                <a:latin typeface="Helvetica"/>
-                <a:ea typeface="Helvetica"/>
-                <a:cs typeface="Helvetica"/>
-                <a:sym typeface="Helvetica"/>
-              </a:defRPr>
-            </a:pPr>
-            <a:endParaRPr dirty="0"/>
-          </a:p>
-          <a:p>
-            <a:pPr marL="571500" indent="-571500" algn="l">
-              <a:buSzPct val="60000"/>
-              <a:buFont typeface="Wingdings" charset="2"/>
-              <a:buChar char="l"/>
-              <a:defRPr sz="4400" b="0">
-                <a:latin typeface="Helvetica"/>
-                <a:ea typeface="Helvetica"/>
-                <a:cs typeface="Helvetica"/>
-                <a:sym typeface="Helvetica"/>
-              </a:defRPr>
-            </a:pPr>
-            <a:r>
-              <a:rPr dirty="0"/>
-              <a:t>Exploratory Data Analysis</a:t>
-            </a:r>
-          </a:p>
-          <a:p>
-            <a:pPr marL="571500" indent="-571500" algn="l">
-              <a:buSzPct val="60000"/>
-              <a:buFont typeface="Wingdings" charset="2"/>
-              <a:buChar char="l"/>
-              <a:defRPr sz="4400" b="0">
-                <a:latin typeface="Helvetica"/>
-                <a:ea typeface="Helvetica"/>
-                <a:cs typeface="Helvetica"/>
-                <a:sym typeface="Helvetica"/>
-              </a:defRPr>
-            </a:pPr>
-            <a:endParaRPr dirty="0"/>
-          </a:p>
-          <a:p>
-            <a:pPr marL="571500" indent="-571500" algn="l">
-              <a:buSzPct val="60000"/>
-              <a:buFont typeface="Wingdings" charset="2"/>
-              <a:buChar char="l"/>
-              <a:defRPr sz="4400" b="0">
-                <a:latin typeface="Helvetica"/>
-                <a:ea typeface="Helvetica"/>
-                <a:cs typeface="Helvetica"/>
-                <a:sym typeface="Helvetica"/>
-              </a:defRPr>
-            </a:pPr>
-            <a:r>
-              <a:rPr dirty="0"/>
-              <a:t>Machine Learning Models and Predictions</a:t>
-            </a:r>
-          </a:p>
-          <a:p>
-            <a:pPr marL="571500" indent="-571500" algn="l">
-              <a:buSzPct val="60000"/>
-              <a:buFont typeface="Wingdings" charset="2"/>
-              <a:buChar char="l"/>
-              <a:defRPr sz="4400" b="0">
-                <a:latin typeface="Helvetica"/>
-                <a:ea typeface="Helvetica"/>
-                <a:cs typeface="Helvetica"/>
-                <a:sym typeface="Helvetica"/>
-              </a:defRPr>
-            </a:pPr>
-            <a:endParaRPr dirty="0"/>
-          </a:p>
-          <a:p>
-            <a:pPr marL="571500" indent="-571500" algn="l">
-              <a:buSzPct val="60000"/>
-              <a:buFont typeface="Wingdings" charset="2"/>
-              <a:buChar char="l"/>
-              <a:defRPr sz="4400" b="0">
-                <a:latin typeface="Helvetica"/>
-                <a:ea typeface="Helvetica"/>
-                <a:cs typeface="Helvetica"/>
-                <a:sym typeface="Helvetica"/>
-              </a:defRPr>
-            </a:pPr>
-            <a:r>
-              <a:rPr dirty="0"/>
-              <a:t>Conclusions and Future Work</a:t>
-            </a:r>
-          </a:p>
-        </p:txBody>
-      </p:sp>
-      <p:sp>
-        <p:nvSpPr>
-          <p:cNvPr id="125" name="Outlines"/>
-          <p:cNvSpPr txBox="1"/>
-          <p:nvPr/>
-        </p:nvSpPr>
-        <p:spPr>
-          <a:xfrm>
-            <a:off x="947043" y="638398"/>
-            <a:ext cx="3074788" cy="1090299"/>
-          </a:xfrm>
-          <a:prstGeom prst="rect">
-            <a:avLst/>
-          </a:prstGeom>
-          <a:ln w="12700">
-            <a:miter lim="400000"/>
-          </a:ln>
-          <a:extLst>
-            <a:ext uri="{C572A759-6A51-4108-AA02-DFA0A04FC94B}">
-              <ma14:wrappingTextBoxFlag xmlns:ma14="http://schemas.microsoft.com/office/mac/drawingml/2011/main" val="1"/>
-            </a:ext>
-          </a:extLst>
-        </p:spPr>
-        <p:txBody>
-          <a:bodyPr lIns="50800" tIns="50800" rIns="50800" bIns="50800">
-            <a:normAutofit/>
-          </a:bodyPr>
-          <a:lstStyle>
-            <a:lvl1pPr algn="l">
-              <a:defRPr sz="6000" b="0">
-                <a:latin typeface="Helvetica"/>
-                <a:ea typeface="Helvetica"/>
-                <a:cs typeface="Helvetica"/>
-                <a:sym typeface="Helvetica"/>
-              </a:defRPr>
-            </a:lvl1pPr>
-          </a:lstStyle>
-          <a:p>
-            <a:r>
-              <a:rPr dirty="0"/>
-              <a:t>Outlines</a:t>
-            </a:r>
-          </a:p>
-        </p:txBody>
-      </p:sp>
-    </p:spTree>
-  </p:cSld>
-  <p:clrMapOvr>
-    <a:masterClrMapping/>
-  </p:clrMapOvr>
-  <p:transition xmlns:p14="http://schemas.microsoft.com/office/powerpoint/2010/main" spd="med"/>
-  <p:timing>
-    <p:tnLst>
-      <p:par>
-        <p:cTn xmlns:p14="http://schemas.microsoft.com/office/powerpoint/2010/main" id="1" dur="indefinite" restart="never" nodeType="tmRoot"/>
-      </p:par>
-    </p:tnLst>
-  </p:timing>
-</p:sld>
-</file>
-
-<file path=ppt/slides/slide20.xml><?xml version="1.0" encoding="utf-8"?>
+<file path=ppt/slides/slide22.xml><?xml version="1.0" encoding="utf-8"?>
 <p:sld xmlns:a="http://schemas.openxmlformats.org/drawingml/2006/main" xmlns:r="http://schemas.openxmlformats.org/officeDocument/2006/relationships" xmlns:p="http://schemas.openxmlformats.org/presentationml/2006/main">
   <p:cSld>
     <p:spTree>
@@ -8727,7 +8709,7 @@
 </p:sld>
 </file>
 
-<file path=ppt/slides/slide21.xml><?xml version="1.0" encoding="utf-8"?>
+<file path=ppt/slides/slide23.xml><?xml version="1.0" encoding="utf-8"?>
 <p:sld xmlns:a="http://schemas.openxmlformats.org/drawingml/2006/main" xmlns:r="http://schemas.openxmlformats.org/officeDocument/2006/relationships" xmlns:p="http://schemas.openxmlformats.org/presentationml/2006/main">
   <p:cSld>
     <p:spTree>
@@ -8896,7 +8878,7 @@
 </p:sld>
 </file>
 
-<file path=ppt/slides/slide22.xml><?xml version="1.0" encoding="utf-8"?>
+<file path=ppt/slides/slide24.xml><?xml version="1.0" encoding="utf-8"?>
 <p:sld xmlns:a="http://schemas.openxmlformats.org/drawingml/2006/main" xmlns:r="http://schemas.openxmlformats.org/officeDocument/2006/relationships" xmlns:p="http://schemas.openxmlformats.org/presentationml/2006/main">
   <p:cSld>
     <p:spTree>
@@ -9008,7 +8990,7 @@
 </p:sld>
 </file>
 
-<file path=ppt/slides/slide23.xml><?xml version="1.0" encoding="utf-8"?>
+<file path=ppt/slides/slide25.xml><?xml version="1.0" encoding="utf-8"?>
 <p:sld xmlns:a="http://schemas.openxmlformats.org/drawingml/2006/main" xmlns:r="http://schemas.openxmlformats.org/officeDocument/2006/relationships" xmlns:p="http://schemas.openxmlformats.org/presentationml/2006/main">
   <p:cSld>
     <p:spTree>
@@ -9176,7 +9158,7 @@
 </p:sld>
 </file>
 
-<file path=ppt/slides/slide24.xml><?xml version="1.0" encoding="utf-8"?>
+<file path=ppt/slides/slide26.xml><?xml version="1.0" encoding="utf-8"?>
 <p:sld xmlns:a="http://schemas.openxmlformats.org/drawingml/2006/main" xmlns:r="http://schemas.openxmlformats.org/officeDocument/2006/relationships" xmlns:p="http://schemas.openxmlformats.org/presentationml/2006/main">
   <p:cSld>
     <p:spTree>
@@ -12873,7 +12855,7 @@
 </p:sld>
 </file>
 
-<file path=ppt/slides/slide25.xml><?xml version="1.0" encoding="utf-8"?>
+<file path=ppt/slides/slide27.xml><?xml version="1.0" encoding="utf-8"?>
 <p:sld xmlns:a="http://schemas.openxmlformats.org/drawingml/2006/main" xmlns:r="http://schemas.openxmlformats.org/officeDocument/2006/relationships" xmlns:p="http://schemas.openxmlformats.org/presentationml/2006/main">
   <p:cSld>
     <p:spTree>
@@ -13152,7 +13134,7 @@
 </p:sld>
 </file>
 
-<file path=ppt/slides/slide26.xml><?xml version="1.0" encoding="utf-8"?>
+<file path=ppt/slides/slide28.xml><?xml version="1.0" encoding="utf-8"?>
 <p:sld xmlns:a="http://schemas.openxmlformats.org/drawingml/2006/main" xmlns:r="http://schemas.openxmlformats.org/officeDocument/2006/relationships" xmlns:p="http://schemas.openxmlformats.org/presentationml/2006/main">
   <p:cSld>
     <p:spTree>
